--- a/slides/01-x-map-api.pptx
+++ b/slides/01-x-map-api.pptx
@@ -3258,7 +3258,7 @@
           <a:p>
             <a:r>
               <a:rPr lang="en-US" dirty="0" smtClean="0"/>
-              <a:t>Task API</a:t>
+              <a:t>Step #1: Collect Task API elements</a:t>
             </a:r>
             <a:endParaRPr lang="en-US" dirty="0"/>
           </a:p>
@@ -3473,7 +3473,7 @@
           <a:p>
             <a:r>
               <a:rPr lang="en-US" dirty="0" smtClean="0"/>
-              <a:t>Task API</a:t>
+              <a:t>Step #2: Document Task API with ALPS</a:t>
             </a:r>
             <a:endParaRPr lang="en-US" dirty="0"/>
           </a:p>
@@ -3495,8 +3495,8 @@
         </p:blipFill>
         <p:spPr>
           <a:xfrm>
-            <a:off x="4638198" y="586154"/>
-            <a:ext cx="7427597" cy="6047875"/>
+            <a:off x="6043246" y="1730206"/>
+            <a:ext cx="6022549" cy="4903823"/>
           </a:xfrm>
           <a:prstGeom prst="rect">
             <a:avLst/>
